--- a/wanma/patent/一种基于聚类的区域出行意愿强度分析方法及装置/装置图.pptx
+++ b/wanma/patent/一种基于聚类的区域出行意愿强度分析方法及装置/装置图.pptx
@@ -2964,890 +2964,905 @@
           <a:chExt cx="0" cy="0"/>
         </a:xfrm>
       </p:grpSpPr>
-      <p:sp>
-        <p:nvSpPr>
-          <p:cNvPr id="4" name="矩形 3"/>
-          <p:cNvSpPr/>
+      <p:grpSp>
+        <p:nvGrpSpPr>
+          <p:cNvPr id="55" name="组 54"/>
+          <p:cNvGrpSpPr/>
           <p:nvPr/>
-        </p:nvSpPr>
-        <p:spPr>
+        </p:nvGrpSpPr>
+        <p:grpSpPr>
           <a:xfrm>
             <a:off x="48986" y="1821925"/>
-            <a:ext cx="685800" cy="3333735"/>
+            <a:ext cx="11682571" cy="3333735"/>
+            <a:chOff x="48986" y="1821925"/>
+            <a:chExt cx="11682571" cy="3333735"/>
           </a:xfrm>
-          <a:prstGeom prst="rect">
-            <a:avLst/>
-          </a:prstGeom>
-          <a:noFill/>
-          <a:ln>
-            <a:solidFill>
+        </p:grpSpPr>
+        <p:sp>
+          <p:nvSpPr>
+            <p:cNvPr id="4" name="矩形 3"/>
+            <p:cNvSpPr/>
+            <p:nvPr/>
+          </p:nvSpPr>
+          <p:spPr>
+            <a:xfrm>
+              <a:off x="48986" y="1821925"/>
+              <a:ext cx="685800" cy="3333735"/>
+            </a:xfrm>
+            <a:prstGeom prst="rect">
+              <a:avLst/>
+            </a:prstGeom>
+            <a:noFill/>
+            <a:ln>
+              <a:solidFill>
+                <a:schemeClr val="tx1"/>
+              </a:solidFill>
+            </a:ln>
+          </p:spPr>
+          <p:style>
+            <a:lnRef idx="2">
+              <a:schemeClr val="accent1">
+                <a:shade val="50000"/>
+              </a:schemeClr>
+            </a:lnRef>
+            <a:fillRef idx="1">
+              <a:schemeClr val="accent1"/>
+            </a:fillRef>
+            <a:effectRef idx="0">
+              <a:schemeClr val="accent1"/>
+            </a:effectRef>
+            <a:fontRef idx="minor">
+              <a:schemeClr val="lt1"/>
+            </a:fontRef>
+          </p:style>
+          <p:txBody>
+            <a:bodyPr rtlCol="0" anchor="ctr"/>
+            <a:lstStyle/>
+            <a:p>
+              <a:pPr algn="ctr"/>
+              <a:endParaRPr kumimoji="1" lang="zh-CN" altLang="en-US"/>
+            </a:p>
+          </p:txBody>
+        </p:sp>
+        <p:sp>
+          <p:nvSpPr>
+            <p:cNvPr id="5" name="文本框 4"/>
+            <p:cNvSpPr txBox="1"/>
+            <p:nvPr/>
+          </p:nvSpPr>
+          <p:spPr>
+            <a:xfrm>
+              <a:off x="202893" y="2950332"/>
+              <a:ext cx="305087" cy="1200329"/>
+            </a:xfrm>
+            <a:prstGeom prst="rect">
+              <a:avLst/>
+            </a:prstGeom>
+            <a:noFill/>
+          </p:spPr>
+          <p:txBody>
+            <a:bodyPr wrap="square" rtlCol="0">
+              <a:spAutoFit/>
+            </a:bodyPr>
+            <a:lstStyle/>
+            <a:p>
+              <a:r>
+                <a:rPr kumimoji="1" lang="zh-CN" altLang="en-US" sz="2400" b="1" dirty="0" smtClean="0"/>
+                <a:t>互</a:t>
+              </a:r>
+            </a:p>
+            <a:p>
+              <a:r>
+                <a:rPr kumimoji="1" lang="zh-CN" altLang="en-US" sz="2400" b="1" dirty="0" smtClean="0"/>
+                <a:t>联</a:t>
+              </a:r>
+            </a:p>
+            <a:p>
+              <a:r>
+                <a:rPr kumimoji="1" lang="zh-CN" altLang="en-US" sz="2400" b="1" dirty="0" smtClean="0"/>
+                <a:t>网</a:t>
+              </a:r>
+              <a:endParaRPr kumimoji="1" lang="zh-CN" altLang="en-US" sz="2400" b="1" dirty="0"/>
+            </a:p>
+          </p:txBody>
+        </p:sp>
+        <p:sp>
+          <p:nvSpPr>
+            <p:cNvPr id="6" name="矩形 5"/>
+            <p:cNvSpPr/>
+            <p:nvPr/>
+          </p:nvSpPr>
+          <p:spPr>
+            <a:xfrm>
+              <a:off x="1258165" y="1821925"/>
+              <a:ext cx="5053263" cy="3333735"/>
+            </a:xfrm>
+            <a:prstGeom prst="rect">
+              <a:avLst/>
+            </a:prstGeom>
+            <a:noFill/>
+            <a:ln>
+              <a:solidFill>
+                <a:schemeClr val="tx1"/>
+              </a:solidFill>
+            </a:ln>
+          </p:spPr>
+          <p:style>
+            <a:lnRef idx="2">
+              <a:schemeClr val="accent1">
+                <a:shade val="50000"/>
+              </a:schemeClr>
+            </a:lnRef>
+            <a:fillRef idx="1">
+              <a:schemeClr val="accent1"/>
+            </a:fillRef>
+            <a:effectRef idx="0">
+              <a:schemeClr val="accent1"/>
+            </a:effectRef>
+            <a:fontRef idx="minor">
+              <a:schemeClr val="lt1"/>
+            </a:fontRef>
+          </p:style>
+          <p:txBody>
+            <a:bodyPr rtlCol="0" anchor="ctr"/>
+            <a:lstStyle/>
+            <a:p>
+              <a:pPr algn="ctr"/>
+              <a:endParaRPr kumimoji="1" lang="zh-CN" altLang="en-US"/>
+            </a:p>
+          </p:txBody>
+        </p:sp>
+        <p:sp>
+          <p:nvSpPr>
+            <p:cNvPr id="7" name="矩形 6"/>
+            <p:cNvSpPr/>
+            <p:nvPr/>
+          </p:nvSpPr>
+          <p:spPr>
+            <a:xfrm>
+              <a:off x="1643174" y="2351308"/>
+              <a:ext cx="1830917" cy="770021"/>
+            </a:xfrm>
+            <a:prstGeom prst="rect">
+              <a:avLst/>
+            </a:prstGeom>
+            <a:noFill/>
+            <a:ln>
+              <a:solidFill>
+                <a:schemeClr val="tx1"/>
+              </a:solidFill>
+            </a:ln>
+          </p:spPr>
+          <p:style>
+            <a:lnRef idx="2">
+              <a:schemeClr val="accent1">
+                <a:shade val="50000"/>
+              </a:schemeClr>
+            </a:lnRef>
+            <a:fillRef idx="1">
+              <a:schemeClr val="accent1"/>
+            </a:fillRef>
+            <a:effectRef idx="0">
+              <a:schemeClr val="accent1"/>
+            </a:effectRef>
+            <a:fontRef idx="minor">
+              <a:schemeClr val="lt1"/>
+            </a:fontRef>
+          </p:style>
+          <p:txBody>
+            <a:bodyPr rtlCol="0" anchor="ctr"/>
+            <a:lstStyle/>
+            <a:p>
+              <a:pPr algn="ctr"/>
+              <a:endParaRPr kumimoji="1" lang="zh-CN" altLang="en-US" dirty="0"/>
+            </a:p>
+          </p:txBody>
+        </p:sp>
+        <p:sp>
+          <p:nvSpPr>
+            <p:cNvPr id="9" name="文本框 8"/>
+            <p:cNvSpPr txBox="1"/>
+            <p:nvPr/>
+          </p:nvSpPr>
+          <p:spPr>
+            <a:xfrm>
+              <a:off x="1595051" y="2567879"/>
+              <a:ext cx="1792478" cy="461665"/>
+            </a:xfrm>
+            <a:prstGeom prst="rect">
+              <a:avLst/>
+            </a:prstGeom>
+            <a:noFill/>
+          </p:spPr>
+          <p:txBody>
+            <a:bodyPr wrap="none" rtlCol="0">
+              <a:spAutoFit/>
+            </a:bodyPr>
+            <a:lstStyle/>
+            <a:p>
+              <a:r>
+                <a:rPr kumimoji="1" lang="en-US" altLang="zh-CN" sz="2400" b="1" dirty="0" smtClean="0"/>
+                <a:t> </a:t>
+              </a:r>
+              <a:r>
+                <a:rPr kumimoji="1" lang="zh-CN" altLang="en-US" sz="2400" b="1" dirty="0" smtClean="0"/>
+                <a:t>数据采集器</a:t>
+              </a:r>
+              <a:endParaRPr kumimoji="1" lang="zh-CN" altLang="en-US" sz="2400" b="1" dirty="0"/>
+            </a:p>
+          </p:txBody>
+        </p:sp>
+        <p:sp>
+          <p:nvSpPr>
+            <p:cNvPr id="10" name="矩形 9"/>
+            <p:cNvSpPr/>
+            <p:nvPr/>
+          </p:nvSpPr>
+          <p:spPr>
+            <a:xfrm>
+              <a:off x="4168545" y="2375371"/>
+              <a:ext cx="1830917" cy="770021"/>
+            </a:xfrm>
+            <a:prstGeom prst="rect">
+              <a:avLst/>
+            </a:prstGeom>
+            <a:noFill/>
+            <a:ln>
+              <a:solidFill>
+                <a:schemeClr val="tx1"/>
+              </a:solidFill>
+            </a:ln>
+          </p:spPr>
+          <p:style>
+            <a:lnRef idx="2">
+              <a:schemeClr val="accent1">
+                <a:shade val="50000"/>
+              </a:schemeClr>
+            </a:lnRef>
+            <a:fillRef idx="1">
+              <a:schemeClr val="accent1"/>
+            </a:fillRef>
+            <a:effectRef idx="0">
+              <a:schemeClr val="accent1"/>
+            </a:effectRef>
+            <a:fontRef idx="minor">
+              <a:schemeClr val="lt1"/>
+            </a:fontRef>
+          </p:style>
+          <p:txBody>
+            <a:bodyPr rtlCol="0" anchor="ctr"/>
+            <a:lstStyle/>
+            <a:p>
+              <a:pPr algn="ctr"/>
+              <a:endParaRPr kumimoji="1" lang="zh-CN" altLang="en-US" dirty="0"/>
+            </a:p>
+          </p:txBody>
+        </p:sp>
+        <p:sp>
+          <p:nvSpPr>
+            <p:cNvPr id="12" name="文本框 11"/>
+            <p:cNvSpPr txBox="1"/>
+            <p:nvPr/>
+          </p:nvSpPr>
+          <p:spPr>
+            <a:xfrm>
+              <a:off x="4241995" y="2567879"/>
+              <a:ext cx="1723549" cy="461665"/>
+            </a:xfrm>
+            <a:prstGeom prst="rect">
+              <a:avLst/>
+            </a:prstGeom>
+            <a:noFill/>
+          </p:spPr>
+          <p:txBody>
+            <a:bodyPr wrap="none" rtlCol="0">
+              <a:spAutoFit/>
+            </a:bodyPr>
+            <a:lstStyle/>
+            <a:p>
+              <a:r>
+                <a:rPr kumimoji="1" lang="zh-CN" altLang="en-US" sz="2400" b="1" dirty="0" smtClean="0"/>
+                <a:t>数据分拣器</a:t>
+              </a:r>
+              <a:endParaRPr kumimoji="1" lang="zh-CN" altLang="en-US" sz="2400" b="1" dirty="0"/>
+            </a:p>
+          </p:txBody>
+        </p:sp>
+        <p:sp>
+          <p:nvSpPr>
+            <p:cNvPr id="15" name="矩形 14"/>
+            <p:cNvSpPr/>
+            <p:nvPr/>
+          </p:nvSpPr>
+          <p:spPr>
+            <a:xfrm>
+              <a:off x="2529191" y="4131989"/>
+              <a:ext cx="2665379" cy="697831"/>
+            </a:xfrm>
+            <a:prstGeom prst="rect">
+              <a:avLst/>
+            </a:prstGeom>
+            <a:noFill/>
+            <a:ln>
+              <a:solidFill>
+                <a:schemeClr val="tx1"/>
+              </a:solidFill>
+            </a:ln>
+          </p:spPr>
+          <p:style>
+            <a:lnRef idx="2">
+              <a:schemeClr val="accent1">
+                <a:shade val="50000"/>
+              </a:schemeClr>
+            </a:lnRef>
+            <a:fillRef idx="1">
+              <a:schemeClr val="accent1"/>
+            </a:fillRef>
+            <a:effectRef idx="0">
+              <a:schemeClr val="accent1"/>
+            </a:effectRef>
+            <a:fontRef idx="minor">
+              <a:schemeClr val="lt1"/>
+            </a:fontRef>
+          </p:style>
+          <p:txBody>
+            <a:bodyPr rtlCol="0" anchor="ctr"/>
+            <a:lstStyle/>
+            <a:p>
+              <a:pPr algn="ctr"/>
+              <a:endParaRPr kumimoji="1" lang="zh-CN" altLang="en-US"/>
+            </a:p>
+          </p:txBody>
+        </p:sp>
+        <p:sp>
+          <p:nvSpPr>
+            <p:cNvPr id="16" name="文本框 15"/>
+            <p:cNvSpPr txBox="1"/>
+            <p:nvPr/>
+          </p:nvSpPr>
+          <p:spPr>
+            <a:xfrm>
+              <a:off x="2870199" y="4300433"/>
+              <a:ext cx="2031325" cy="461665"/>
+            </a:xfrm>
+            <a:prstGeom prst="rect">
+              <a:avLst/>
+            </a:prstGeom>
+            <a:noFill/>
+          </p:spPr>
+          <p:txBody>
+            <a:bodyPr wrap="none" rtlCol="0">
+              <a:spAutoFit/>
+            </a:bodyPr>
+            <a:lstStyle/>
+            <a:p>
+              <a:r>
+                <a:rPr kumimoji="1" lang="zh-CN" altLang="en-US" sz="2400" b="1" dirty="0" smtClean="0"/>
+                <a:t>海量数据存储</a:t>
+              </a:r>
+              <a:endParaRPr kumimoji="1" lang="zh-CN" altLang="en-US" sz="2400" b="1" dirty="0"/>
+            </a:p>
+          </p:txBody>
+        </p:sp>
+        <p:cxnSp>
+          <p:nvCxnSpPr>
+            <p:cNvPr id="18" name="直线箭头连接符 17"/>
+            <p:cNvCxnSpPr/>
+            <p:nvPr/>
+          </p:nvCxnSpPr>
+          <p:spPr>
+            <a:xfrm>
+              <a:off x="734786" y="2732885"/>
+              <a:ext cx="908388" cy="3433"/>
+            </a:xfrm>
+            <a:prstGeom prst="straightConnector1">
+              <a:avLst/>
+            </a:prstGeom>
+            <a:ln cap="flat">
+              <a:solidFill>
+                <a:schemeClr val="tx1"/>
+              </a:solidFill>
+              <a:headEnd type="none"/>
+              <a:tailEnd type="triangle" w="lg" len="lg"/>
+            </a:ln>
+          </p:spPr>
+          <p:style>
+            <a:lnRef idx="1">
+              <a:schemeClr val="accent1"/>
+            </a:lnRef>
+            <a:fillRef idx="0">
+              <a:schemeClr val="accent1"/>
+            </a:fillRef>
+            <a:effectRef idx="0">
+              <a:schemeClr val="accent1"/>
+            </a:effectRef>
+            <a:fontRef idx="minor">
               <a:schemeClr val="tx1"/>
-            </a:solidFill>
-          </a:ln>
-        </p:spPr>
-        <p:style>
-          <a:lnRef idx="2">
-            <a:schemeClr val="accent1">
-              <a:shade val="50000"/>
-            </a:schemeClr>
-          </a:lnRef>
-          <a:fillRef idx="1">
-            <a:schemeClr val="accent1"/>
-          </a:fillRef>
-          <a:effectRef idx="0">
-            <a:schemeClr val="accent1"/>
-          </a:effectRef>
-          <a:fontRef idx="minor">
-            <a:schemeClr val="lt1"/>
-          </a:fontRef>
-        </p:style>
-        <p:txBody>
-          <a:bodyPr rtlCol="0" anchor="ctr"/>
-          <a:lstStyle/>
-          <a:p>
-            <a:pPr algn="ctr"/>
-            <a:endParaRPr kumimoji="1" lang="zh-CN" altLang="en-US"/>
-          </a:p>
-        </p:txBody>
-      </p:sp>
-      <p:sp>
-        <p:nvSpPr>
-          <p:cNvPr id="5" name="文本框 4"/>
-          <p:cNvSpPr txBox="1"/>
-          <p:nvPr/>
-        </p:nvSpPr>
-        <p:spPr>
-          <a:xfrm>
-            <a:off x="202893" y="2950332"/>
-            <a:ext cx="305087" cy="1200329"/>
-          </a:xfrm>
-          <a:prstGeom prst="rect">
-            <a:avLst/>
-          </a:prstGeom>
-          <a:noFill/>
-        </p:spPr>
-        <p:txBody>
-          <a:bodyPr wrap="square" rtlCol="0">
-            <a:spAutoFit/>
-          </a:bodyPr>
-          <a:lstStyle/>
-          <a:p>
-            <a:r>
-              <a:rPr kumimoji="1" lang="zh-CN" altLang="en-US" sz="2400" b="1" dirty="0" smtClean="0"/>
-              <a:t>互</a:t>
-            </a:r>
-          </a:p>
-          <a:p>
-            <a:r>
-              <a:rPr kumimoji="1" lang="zh-CN" altLang="en-US" sz="2400" b="1" dirty="0" smtClean="0"/>
-              <a:t>联</a:t>
-            </a:r>
-          </a:p>
-          <a:p>
-            <a:r>
-              <a:rPr kumimoji="1" lang="zh-CN" altLang="en-US" sz="2400" b="1" dirty="0" smtClean="0"/>
-              <a:t>网</a:t>
-            </a:r>
-            <a:endParaRPr kumimoji="1" lang="zh-CN" altLang="en-US" sz="2400" b="1" dirty="0"/>
-          </a:p>
-        </p:txBody>
-      </p:sp>
-      <p:sp>
-        <p:nvSpPr>
-          <p:cNvPr id="6" name="矩形 5"/>
-          <p:cNvSpPr/>
-          <p:nvPr/>
-        </p:nvSpPr>
-        <p:spPr>
-          <a:xfrm>
-            <a:off x="1258165" y="1821925"/>
-            <a:ext cx="5053263" cy="3333735"/>
-          </a:xfrm>
-          <a:prstGeom prst="rect">
-            <a:avLst/>
-          </a:prstGeom>
-          <a:noFill/>
-          <a:ln>
-            <a:solidFill>
+            </a:fontRef>
+          </p:style>
+        </p:cxnSp>
+        <p:cxnSp>
+          <p:nvCxnSpPr>
+            <p:cNvPr id="21" name="直线箭头连接符 20"/>
+            <p:cNvCxnSpPr>
+              <a:stCxn id="7" idx="2"/>
+              <a:endCxn id="15" idx="0"/>
+            </p:cNvCxnSpPr>
+            <p:nvPr/>
+          </p:nvCxnSpPr>
+          <p:spPr>
+            <a:xfrm>
+              <a:off x="2558633" y="3121329"/>
+              <a:ext cx="1303248" cy="1010660"/>
+            </a:xfrm>
+            <a:prstGeom prst="straightConnector1">
+              <a:avLst/>
+            </a:prstGeom>
+            <a:ln cap="flat">
+              <a:solidFill>
+                <a:schemeClr val="tx1"/>
+              </a:solidFill>
+              <a:headEnd type="none"/>
+              <a:tailEnd type="triangle" w="lg" len="lg"/>
+            </a:ln>
+          </p:spPr>
+          <p:style>
+            <a:lnRef idx="1">
+              <a:schemeClr val="accent1"/>
+            </a:lnRef>
+            <a:fillRef idx="0">
+              <a:schemeClr val="accent1"/>
+            </a:fillRef>
+            <a:effectRef idx="0">
+              <a:schemeClr val="accent1"/>
+            </a:effectRef>
+            <a:fontRef idx="minor">
               <a:schemeClr val="tx1"/>
-            </a:solidFill>
-          </a:ln>
-        </p:spPr>
-        <p:style>
-          <a:lnRef idx="2">
-            <a:schemeClr val="accent1">
-              <a:shade val="50000"/>
-            </a:schemeClr>
-          </a:lnRef>
-          <a:fillRef idx="1">
-            <a:schemeClr val="accent1"/>
-          </a:fillRef>
-          <a:effectRef idx="0">
-            <a:schemeClr val="accent1"/>
-          </a:effectRef>
-          <a:fontRef idx="minor">
-            <a:schemeClr val="lt1"/>
-          </a:fontRef>
-        </p:style>
-        <p:txBody>
-          <a:bodyPr rtlCol="0" anchor="ctr"/>
-          <a:lstStyle/>
-          <a:p>
-            <a:pPr algn="ctr"/>
-            <a:endParaRPr kumimoji="1" lang="zh-CN" altLang="en-US"/>
-          </a:p>
-        </p:txBody>
-      </p:sp>
-      <p:sp>
-        <p:nvSpPr>
-          <p:cNvPr id="7" name="矩形 6"/>
-          <p:cNvSpPr/>
-          <p:nvPr/>
-        </p:nvSpPr>
-        <p:spPr>
-          <a:xfrm>
-            <a:off x="1643174" y="2351308"/>
-            <a:ext cx="1830917" cy="770021"/>
-          </a:xfrm>
-          <a:prstGeom prst="rect">
-            <a:avLst/>
-          </a:prstGeom>
-          <a:noFill/>
-          <a:ln>
-            <a:solidFill>
+            </a:fontRef>
+          </p:style>
+        </p:cxnSp>
+        <p:cxnSp>
+          <p:nvCxnSpPr>
+            <p:cNvPr id="24" name="直线箭头连接符 23"/>
+            <p:cNvCxnSpPr>
+              <a:endCxn id="15" idx="0"/>
+            </p:cNvCxnSpPr>
+            <p:nvPr/>
+          </p:nvCxnSpPr>
+          <p:spPr>
+            <a:xfrm flipH="1">
+              <a:off x="3861881" y="3145392"/>
+              <a:ext cx="1105914" cy="986597"/>
+            </a:xfrm>
+            <a:prstGeom prst="straightConnector1">
+              <a:avLst/>
+            </a:prstGeom>
+            <a:ln cap="flat">
+              <a:solidFill>
+                <a:schemeClr val="tx1"/>
+              </a:solidFill>
+              <a:headEnd type="stealth" w="lg" len="lg"/>
+              <a:tailEnd type="triangle" w="lg" len="lg"/>
+            </a:ln>
+          </p:spPr>
+          <p:style>
+            <a:lnRef idx="1">
+              <a:schemeClr val="accent1"/>
+            </a:lnRef>
+            <a:fillRef idx="0">
+              <a:schemeClr val="accent1"/>
+            </a:fillRef>
+            <a:effectRef idx="0">
+              <a:schemeClr val="accent1"/>
+            </a:effectRef>
+            <a:fontRef idx="minor">
               <a:schemeClr val="tx1"/>
-            </a:solidFill>
-          </a:ln>
-        </p:spPr>
-        <p:style>
-          <a:lnRef idx="2">
-            <a:schemeClr val="accent1">
-              <a:shade val="50000"/>
-            </a:schemeClr>
-          </a:lnRef>
-          <a:fillRef idx="1">
-            <a:schemeClr val="accent1"/>
-          </a:fillRef>
-          <a:effectRef idx="0">
-            <a:schemeClr val="accent1"/>
-          </a:effectRef>
-          <a:fontRef idx="minor">
-            <a:schemeClr val="lt1"/>
-          </a:fontRef>
-        </p:style>
-        <p:txBody>
-          <a:bodyPr rtlCol="0" anchor="ctr"/>
-          <a:lstStyle/>
-          <a:p>
-            <a:pPr algn="ctr"/>
-            <a:endParaRPr kumimoji="1" lang="zh-CN" altLang="en-US" dirty="0"/>
-          </a:p>
-        </p:txBody>
-      </p:sp>
-      <p:sp>
-        <p:nvSpPr>
-          <p:cNvPr id="9" name="文本框 8"/>
-          <p:cNvSpPr txBox="1"/>
-          <p:nvPr/>
-        </p:nvSpPr>
-        <p:spPr>
-          <a:xfrm>
-            <a:off x="1595051" y="2567879"/>
-            <a:ext cx="1792478" cy="461665"/>
-          </a:xfrm>
-          <a:prstGeom prst="rect">
-            <a:avLst/>
-          </a:prstGeom>
-          <a:noFill/>
-        </p:spPr>
-        <p:txBody>
-          <a:bodyPr wrap="none" rtlCol="0">
-            <a:spAutoFit/>
-          </a:bodyPr>
-          <a:lstStyle/>
-          <a:p>
-            <a:r>
-              <a:rPr kumimoji="1" lang="en-US" altLang="zh-CN" sz="2400" b="1" dirty="0" smtClean="0"/>
-              <a:t> </a:t>
-            </a:r>
-            <a:r>
-              <a:rPr kumimoji="1" lang="zh-CN" altLang="en-US" sz="2400" b="1" dirty="0" smtClean="0"/>
-              <a:t>数据采集器</a:t>
-            </a:r>
-            <a:endParaRPr kumimoji="1" lang="zh-CN" altLang="en-US" sz="2400" b="1" dirty="0"/>
-          </a:p>
-        </p:txBody>
-      </p:sp>
-      <p:sp>
-        <p:nvSpPr>
-          <p:cNvPr id="10" name="矩形 9"/>
-          <p:cNvSpPr/>
-          <p:nvPr/>
-        </p:nvSpPr>
-        <p:spPr>
-          <a:xfrm>
-            <a:off x="4168545" y="2375371"/>
-            <a:ext cx="1830917" cy="770021"/>
-          </a:xfrm>
-          <a:prstGeom prst="rect">
-            <a:avLst/>
-          </a:prstGeom>
-          <a:noFill/>
-          <a:ln>
-            <a:solidFill>
+            </a:fontRef>
+          </p:style>
+        </p:cxnSp>
+        <p:sp>
+          <p:nvSpPr>
+            <p:cNvPr id="26" name="矩形 25"/>
+            <p:cNvSpPr/>
+            <p:nvPr/>
+          </p:nvSpPr>
+          <p:spPr>
+            <a:xfrm>
+              <a:off x="6924124" y="1821925"/>
+              <a:ext cx="4807433" cy="3333735"/>
+            </a:xfrm>
+            <a:prstGeom prst="rect">
+              <a:avLst/>
+            </a:prstGeom>
+            <a:noFill/>
+            <a:ln>
+              <a:solidFill>
+                <a:schemeClr val="tx1"/>
+              </a:solidFill>
+            </a:ln>
+          </p:spPr>
+          <p:style>
+            <a:lnRef idx="2">
+              <a:schemeClr val="accent1">
+                <a:shade val="50000"/>
+              </a:schemeClr>
+            </a:lnRef>
+            <a:fillRef idx="1">
+              <a:schemeClr val="accent1"/>
+            </a:fillRef>
+            <a:effectRef idx="0">
+              <a:schemeClr val="accent1"/>
+            </a:effectRef>
+            <a:fontRef idx="minor">
+              <a:schemeClr val="lt1"/>
+            </a:fontRef>
+          </p:style>
+          <p:txBody>
+            <a:bodyPr rtlCol="0" anchor="ctr"/>
+            <a:lstStyle/>
+            <a:p>
+              <a:pPr algn="ctr"/>
+              <a:endParaRPr kumimoji="1" lang="zh-CN" altLang="en-US"/>
+            </a:p>
+          </p:txBody>
+        </p:sp>
+        <p:sp>
+          <p:nvSpPr>
+            <p:cNvPr id="28" name="矩形 27"/>
+            <p:cNvSpPr/>
+            <p:nvPr/>
+          </p:nvSpPr>
+          <p:spPr>
+            <a:xfrm>
+              <a:off x="7433230" y="2347874"/>
+              <a:ext cx="1830917" cy="770021"/>
+            </a:xfrm>
+            <a:prstGeom prst="rect">
+              <a:avLst/>
+            </a:prstGeom>
+            <a:noFill/>
+            <a:ln>
+              <a:solidFill>
+                <a:schemeClr val="tx1"/>
+              </a:solidFill>
+            </a:ln>
+          </p:spPr>
+          <p:style>
+            <a:lnRef idx="2">
+              <a:schemeClr val="accent1">
+                <a:shade val="50000"/>
+              </a:schemeClr>
+            </a:lnRef>
+            <a:fillRef idx="1">
+              <a:schemeClr val="accent1"/>
+            </a:fillRef>
+            <a:effectRef idx="0">
+              <a:schemeClr val="accent1"/>
+            </a:effectRef>
+            <a:fontRef idx="minor">
+              <a:schemeClr val="lt1"/>
+            </a:fontRef>
+          </p:style>
+          <p:txBody>
+            <a:bodyPr rtlCol="0" anchor="ctr"/>
+            <a:lstStyle/>
+            <a:p>
+              <a:pPr algn="ctr"/>
+              <a:endParaRPr kumimoji="1" lang="zh-CN" altLang="en-US" dirty="0"/>
+            </a:p>
+          </p:txBody>
+        </p:sp>
+        <p:sp>
+          <p:nvSpPr>
+            <p:cNvPr id="29" name="文本框 28"/>
+            <p:cNvSpPr txBox="1"/>
+            <p:nvPr/>
+          </p:nvSpPr>
+          <p:spPr>
+            <a:xfrm>
+              <a:off x="7532917" y="2569033"/>
+              <a:ext cx="1723549" cy="461665"/>
+            </a:xfrm>
+            <a:prstGeom prst="rect">
+              <a:avLst/>
+            </a:prstGeom>
+            <a:noFill/>
+          </p:spPr>
+          <p:txBody>
+            <a:bodyPr wrap="none" rtlCol="0">
+              <a:spAutoFit/>
+            </a:bodyPr>
+            <a:lstStyle/>
+            <a:p>
+              <a:r>
+                <a:rPr kumimoji="1" lang="zh-CN" altLang="en-US" sz="2400" b="1" dirty="0" smtClean="0"/>
+                <a:t>聚类分析器</a:t>
+              </a:r>
+              <a:endParaRPr kumimoji="1" lang="zh-CN" altLang="en-US" sz="2400" b="1" dirty="0"/>
+            </a:p>
+          </p:txBody>
+        </p:sp>
+        <p:cxnSp>
+          <p:nvCxnSpPr>
+            <p:cNvPr id="30" name="直线箭头连接符 29"/>
+            <p:cNvCxnSpPr>
+              <a:stCxn id="28" idx="1"/>
+              <a:endCxn id="15" idx="3"/>
+            </p:cNvCxnSpPr>
+            <p:nvPr/>
+          </p:nvCxnSpPr>
+          <p:spPr>
+            <a:xfrm flipH="1">
+              <a:off x="5194570" y="2732885"/>
+              <a:ext cx="2238660" cy="1748020"/>
+            </a:xfrm>
+            <a:prstGeom prst="straightConnector1">
+              <a:avLst/>
+            </a:prstGeom>
+            <a:ln cap="flat">
+              <a:solidFill>
+                <a:schemeClr val="tx1"/>
+              </a:solidFill>
+              <a:headEnd type="stealth" w="lg" len="lg"/>
+              <a:tailEnd type="triangle" w="lg" len="lg"/>
+            </a:ln>
+          </p:spPr>
+          <p:style>
+            <a:lnRef idx="1">
+              <a:schemeClr val="accent1"/>
+            </a:lnRef>
+            <a:fillRef idx="0">
+              <a:schemeClr val="accent1"/>
+            </a:fillRef>
+            <a:effectRef idx="0">
+              <a:schemeClr val="accent1"/>
+            </a:effectRef>
+            <a:fontRef idx="minor">
               <a:schemeClr val="tx1"/>
-            </a:solidFill>
-          </a:ln>
-        </p:spPr>
-        <p:style>
-          <a:lnRef idx="2">
-            <a:schemeClr val="accent1">
-              <a:shade val="50000"/>
-            </a:schemeClr>
-          </a:lnRef>
-          <a:fillRef idx="1">
-            <a:schemeClr val="accent1"/>
-          </a:fillRef>
-          <a:effectRef idx="0">
-            <a:schemeClr val="accent1"/>
-          </a:effectRef>
-          <a:fontRef idx="minor">
-            <a:schemeClr val="lt1"/>
-          </a:fontRef>
-        </p:style>
-        <p:txBody>
-          <a:bodyPr rtlCol="0" anchor="ctr"/>
-          <a:lstStyle/>
-          <a:p>
-            <a:pPr algn="ctr"/>
-            <a:endParaRPr kumimoji="1" lang="zh-CN" altLang="en-US" dirty="0"/>
-          </a:p>
-        </p:txBody>
-      </p:sp>
-      <p:sp>
-        <p:nvSpPr>
-          <p:cNvPr id="12" name="文本框 11"/>
-          <p:cNvSpPr txBox="1"/>
-          <p:nvPr/>
-        </p:nvSpPr>
-        <p:spPr>
-          <a:xfrm>
-            <a:off x="4241995" y="2567879"/>
-            <a:ext cx="1723549" cy="461665"/>
-          </a:xfrm>
-          <a:prstGeom prst="rect">
-            <a:avLst/>
-          </a:prstGeom>
-          <a:noFill/>
-        </p:spPr>
-        <p:txBody>
-          <a:bodyPr wrap="none" rtlCol="0">
-            <a:spAutoFit/>
-          </a:bodyPr>
-          <a:lstStyle/>
-          <a:p>
-            <a:r>
-              <a:rPr kumimoji="1" lang="zh-CN" altLang="en-US" sz="2400" b="1" dirty="0" smtClean="0"/>
-              <a:t>数据分拣器</a:t>
-            </a:r>
-            <a:endParaRPr kumimoji="1" lang="zh-CN" altLang="en-US" sz="2400" b="1" dirty="0"/>
-          </a:p>
-        </p:txBody>
-      </p:sp>
-      <p:sp>
-        <p:nvSpPr>
-          <p:cNvPr id="15" name="矩形 14"/>
-          <p:cNvSpPr/>
-          <p:nvPr/>
-        </p:nvSpPr>
-        <p:spPr>
-          <a:xfrm>
-            <a:off x="2529191" y="4131989"/>
-            <a:ext cx="2665379" cy="697831"/>
-          </a:xfrm>
-          <a:prstGeom prst="rect">
-            <a:avLst/>
-          </a:prstGeom>
-          <a:noFill/>
-          <a:ln>
-            <a:solidFill>
+            </a:fontRef>
+          </p:style>
+        </p:cxnSp>
+        <p:sp>
+          <p:nvSpPr>
+            <p:cNvPr id="36" name="矩形 35"/>
+            <p:cNvSpPr/>
+            <p:nvPr/>
+          </p:nvSpPr>
+          <p:spPr>
+            <a:xfrm>
+              <a:off x="8045926" y="4140148"/>
+              <a:ext cx="2559443" cy="697831"/>
+            </a:xfrm>
+            <a:prstGeom prst="rect">
+              <a:avLst/>
+            </a:prstGeom>
+            <a:noFill/>
+            <a:ln>
+              <a:solidFill>
+                <a:schemeClr val="tx1"/>
+              </a:solidFill>
+            </a:ln>
+          </p:spPr>
+          <p:style>
+            <a:lnRef idx="2">
+              <a:schemeClr val="accent1">
+                <a:shade val="50000"/>
+              </a:schemeClr>
+            </a:lnRef>
+            <a:fillRef idx="1">
+              <a:schemeClr val="accent1"/>
+            </a:fillRef>
+            <a:effectRef idx="0">
+              <a:schemeClr val="accent1"/>
+            </a:effectRef>
+            <a:fontRef idx="minor">
+              <a:schemeClr val="lt1"/>
+            </a:fontRef>
+          </p:style>
+          <p:txBody>
+            <a:bodyPr rtlCol="0" anchor="ctr"/>
+            <a:lstStyle/>
+            <a:p>
+              <a:pPr algn="ctr"/>
+              <a:endParaRPr kumimoji="1" lang="zh-CN" altLang="en-US"/>
+            </a:p>
+          </p:txBody>
+        </p:sp>
+        <p:sp>
+          <p:nvSpPr>
+            <p:cNvPr id="37" name="文本框 36"/>
+            <p:cNvSpPr txBox="1"/>
+            <p:nvPr/>
+          </p:nvSpPr>
+          <p:spPr>
+            <a:xfrm>
+              <a:off x="8324632" y="4278665"/>
+              <a:ext cx="2031325" cy="461665"/>
+            </a:xfrm>
+            <a:prstGeom prst="rect">
+              <a:avLst/>
+            </a:prstGeom>
+            <a:noFill/>
+          </p:spPr>
+          <p:txBody>
+            <a:bodyPr wrap="none" rtlCol="0">
+              <a:spAutoFit/>
+            </a:bodyPr>
+            <a:lstStyle/>
+            <a:p>
+              <a:r>
+                <a:rPr kumimoji="1" lang="zh-CN" altLang="en-US" sz="2400" b="1" dirty="0" smtClean="0"/>
+                <a:t>关系</a:t>
+              </a:r>
+              <a:r>
+                <a:rPr kumimoji="1" lang="zh-CN" altLang="en-US" sz="2400" b="1" smtClean="0"/>
+                <a:t>数据存储</a:t>
+              </a:r>
+              <a:endParaRPr kumimoji="1" lang="zh-CN" altLang="en-US" sz="2400" b="1" dirty="0"/>
+            </a:p>
+          </p:txBody>
+        </p:sp>
+        <p:cxnSp>
+          <p:nvCxnSpPr>
+            <p:cNvPr id="38" name="直线箭头连接符 37"/>
+            <p:cNvCxnSpPr>
+              <a:stCxn id="28" idx="2"/>
+            </p:cNvCxnSpPr>
+            <p:nvPr/>
+          </p:nvCxnSpPr>
+          <p:spPr>
+            <a:xfrm>
+              <a:off x="8348689" y="3117895"/>
+              <a:ext cx="1091199" cy="1022253"/>
+            </a:xfrm>
+            <a:prstGeom prst="straightConnector1">
+              <a:avLst/>
+            </a:prstGeom>
+            <a:ln cap="flat">
+              <a:solidFill>
+                <a:schemeClr val="tx1"/>
+              </a:solidFill>
+              <a:headEnd type="stealth" w="lg" len="lg"/>
+              <a:tailEnd type="triangle" w="lg" len="lg"/>
+            </a:ln>
+          </p:spPr>
+          <p:style>
+            <a:lnRef idx="1">
+              <a:schemeClr val="accent1"/>
+            </a:lnRef>
+            <a:fillRef idx="0">
+              <a:schemeClr val="accent1"/>
+            </a:fillRef>
+            <a:effectRef idx="0">
+              <a:schemeClr val="accent1"/>
+            </a:effectRef>
+            <a:fontRef idx="minor">
               <a:schemeClr val="tx1"/>
-            </a:solidFill>
-          </a:ln>
-        </p:spPr>
-        <p:style>
-          <a:lnRef idx="2">
-            <a:schemeClr val="accent1">
-              <a:shade val="50000"/>
-            </a:schemeClr>
-          </a:lnRef>
-          <a:fillRef idx="1">
-            <a:schemeClr val="accent1"/>
-          </a:fillRef>
-          <a:effectRef idx="0">
-            <a:schemeClr val="accent1"/>
-          </a:effectRef>
-          <a:fontRef idx="minor">
-            <a:schemeClr val="lt1"/>
-          </a:fontRef>
-        </p:style>
-        <p:txBody>
-          <a:bodyPr rtlCol="0" anchor="ctr"/>
-          <a:lstStyle/>
-          <a:p>
-            <a:pPr algn="ctr"/>
-            <a:endParaRPr kumimoji="1" lang="zh-CN" altLang="en-US"/>
-          </a:p>
-        </p:txBody>
-      </p:sp>
-      <p:sp>
-        <p:nvSpPr>
-          <p:cNvPr id="16" name="文本框 15"/>
-          <p:cNvSpPr txBox="1"/>
-          <p:nvPr/>
-        </p:nvSpPr>
-        <p:spPr>
-          <a:xfrm>
-            <a:off x="2870199" y="4300433"/>
-            <a:ext cx="2031325" cy="461665"/>
-          </a:xfrm>
-          <a:prstGeom prst="rect">
-            <a:avLst/>
-          </a:prstGeom>
-          <a:noFill/>
-        </p:spPr>
-        <p:txBody>
-          <a:bodyPr wrap="none" rtlCol="0">
-            <a:spAutoFit/>
-          </a:bodyPr>
-          <a:lstStyle/>
-          <a:p>
-            <a:r>
-              <a:rPr kumimoji="1" lang="zh-CN" altLang="en-US" sz="2400" b="1" dirty="0" smtClean="0"/>
-              <a:t>海量数据存储</a:t>
-            </a:r>
-            <a:endParaRPr kumimoji="1" lang="zh-CN" altLang="en-US" sz="2400" b="1" dirty="0"/>
-          </a:p>
-        </p:txBody>
-      </p:sp>
-      <p:cxnSp>
-        <p:nvCxnSpPr>
-          <p:cNvPr id="18" name="直线箭头连接符 17"/>
-          <p:cNvCxnSpPr/>
-          <p:nvPr/>
-        </p:nvCxnSpPr>
-        <p:spPr>
-          <a:xfrm>
-            <a:off x="734786" y="2732885"/>
-            <a:ext cx="908388" cy="3433"/>
-          </a:xfrm>
-          <a:prstGeom prst="straightConnector1">
-            <a:avLst/>
-          </a:prstGeom>
-          <a:ln cap="flat">
-            <a:solidFill>
+            </a:fontRef>
+          </p:style>
+        </p:cxnSp>
+        <p:sp>
+          <p:nvSpPr>
+            <p:cNvPr id="42" name="矩形 41"/>
+            <p:cNvSpPr/>
+            <p:nvPr/>
+          </p:nvSpPr>
+          <p:spPr>
+            <a:xfrm>
+              <a:off x="9588604" y="2369648"/>
+              <a:ext cx="1830917" cy="770021"/>
+            </a:xfrm>
+            <a:prstGeom prst="rect">
+              <a:avLst/>
+            </a:prstGeom>
+            <a:noFill/>
+            <a:ln>
+              <a:solidFill>
+                <a:schemeClr val="tx1"/>
+              </a:solidFill>
+            </a:ln>
+          </p:spPr>
+          <p:style>
+            <a:lnRef idx="2">
+              <a:schemeClr val="accent1">
+                <a:shade val="50000"/>
+              </a:schemeClr>
+            </a:lnRef>
+            <a:fillRef idx="1">
+              <a:schemeClr val="accent1"/>
+            </a:fillRef>
+            <a:effectRef idx="0">
+              <a:schemeClr val="accent1"/>
+            </a:effectRef>
+            <a:fontRef idx="minor">
+              <a:schemeClr val="lt1"/>
+            </a:fontRef>
+          </p:style>
+          <p:txBody>
+            <a:bodyPr rtlCol="0" anchor="ctr"/>
+            <a:lstStyle/>
+            <a:p>
+              <a:pPr algn="ctr"/>
+              <a:endParaRPr kumimoji="1" lang="zh-CN" altLang="en-US" dirty="0"/>
+            </a:p>
+          </p:txBody>
+        </p:sp>
+        <p:cxnSp>
+          <p:nvCxnSpPr>
+            <p:cNvPr id="43" name="直线箭头连接符 42"/>
+            <p:cNvCxnSpPr>
+              <a:stCxn id="42" idx="2"/>
+            </p:cNvCxnSpPr>
+            <p:nvPr/>
+          </p:nvCxnSpPr>
+          <p:spPr>
+            <a:xfrm flipH="1">
+              <a:off x="9429635" y="3139669"/>
+              <a:ext cx="1074428" cy="1000479"/>
+            </a:xfrm>
+            <a:prstGeom prst="straightConnector1">
+              <a:avLst/>
+            </a:prstGeom>
+            <a:ln cap="flat">
+              <a:solidFill>
+                <a:schemeClr val="tx1"/>
+              </a:solidFill>
+              <a:headEnd type="stealth" w="lg" len="lg"/>
+              <a:tailEnd type="triangle" w="lg" len="lg"/>
+            </a:ln>
+          </p:spPr>
+          <p:style>
+            <a:lnRef idx="1">
+              <a:schemeClr val="accent1"/>
+            </a:lnRef>
+            <a:fillRef idx="0">
+              <a:schemeClr val="accent1"/>
+            </a:fillRef>
+            <a:effectRef idx="0">
+              <a:schemeClr val="accent1"/>
+            </a:effectRef>
+            <a:fontRef idx="minor">
               <a:schemeClr val="tx1"/>
-            </a:solidFill>
-            <a:headEnd type="none"/>
-            <a:tailEnd type="triangle" w="lg" len="lg"/>
-          </a:ln>
-        </p:spPr>
-        <p:style>
-          <a:lnRef idx="1">
-            <a:schemeClr val="accent1"/>
-          </a:lnRef>
-          <a:fillRef idx="0">
-            <a:schemeClr val="accent1"/>
-          </a:fillRef>
-          <a:effectRef idx="0">
-            <a:schemeClr val="accent1"/>
-          </a:effectRef>
-          <a:fontRef idx="minor">
-            <a:schemeClr val="tx1"/>
-          </a:fontRef>
-        </p:style>
-      </p:cxnSp>
-      <p:cxnSp>
-        <p:nvCxnSpPr>
-          <p:cNvPr id="21" name="直线箭头连接符 20"/>
-          <p:cNvCxnSpPr>
-            <a:stCxn id="7" idx="2"/>
-            <a:endCxn id="15" idx="0"/>
-          </p:cNvCxnSpPr>
-          <p:nvPr/>
-        </p:nvCxnSpPr>
-        <p:spPr>
-          <a:xfrm>
-            <a:off x="2558633" y="3121329"/>
-            <a:ext cx="1303248" cy="1010660"/>
-          </a:xfrm>
-          <a:prstGeom prst="straightConnector1">
-            <a:avLst/>
-          </a:prstGeom>
-          <a:ln cap="flat">
-            <a:solidFill>
-              <a:schemeClr val="tx1"/>
-            </a:solidFill>
-            <a:headEnd type="none"/>
-            <a:tailEnd type="triangle" w="lg" len="lg"/>
-          </a:ln>
-        </p:spPr>
-        <p:style>
-          <a:lnRef idx="1">
-            <a:schemeClr val="accent1"/>
-          </a:lnRef>
-          <a:fillRef idx="0">
-            <a:schemeClr val="accent1"/>
-          </a:fillRef>
-          <a:effectRef idx="0">
-            <a:schemeClr val="accent1"/>
-          </a:effectRef>
-          <a:fontRef idx="minor">
-            <a:schemeClr val="tx1"/>
-          </a:fontRef>
-        </p:style>
-      </p:cxnSp>
-      <p:cxnSp>
-        <p:nvCxnSpPr>
-          <p:cNvPr id="24" name="直线箭头连接符 23"/>
-          <p:cNvCxnSpPr>
-            <a:endCxn id="15" idx="0"/>
-          </p:cNvCxnSpPr>
-          <p:nvPr/>
-        </p:nvCxnSpPr>
-        <p:spPr>
-          <a:xfrm flipH="1">
-            <a:off x="3861881" y="3145392"/>
-            <a:ext cx="1105914" cy="986597"/>
-          </a:xfrm>
-          <a:prstGeom prst="straightConnector1">
-            <a:avLst/>
-          </a:prstGeom>
-          <a:ln cap="flat">
-            <a:solidFill>
-              <a:schemeClr val="tx1"/>
-            </a:solidFill>
-            <a:headEnd type="stealth" w="lg" len="lg"/>
-            <a:tailEnd type="triangle" w="lg" len="lg"/>
-          </a:ln>
-        </p:spPr>
-        <p:style>
-          <a:lnRef idx="1">
-            <a:schemeClr val="accent1"/>
-          </a:lnRef>
-          <a:fillRef idx="0">
-            <a:schemeClr val="accent1"/>
-          </a:fillRef>
-          <a:effectRef idx="0">
-            <a:schemeClr val="accent1"/>
-          </a:effectRef>
-          <a:fontRef idx="minor">
-            <a:schemeClr val="tx1"/>
-          </a:fontRef>
-        </p:style>
-      </p:cxnSp>
-      <p:sp>
-        <p:nvSpPr>
-          <p:cNvPr id="26" name="矩形 25"/>
-          <p:cNvSpPr/>
-          <p:nvPr/>
-        </p:nvSpPr>
-        <p:spPr>
-          <a:xfrm>
-            <a:off x="6924124" y="1821925"/>
-            <a:ext cx="4807433" cy="3333735"/>
-          </a:xfrm>
-          <a:prstGeom prst="rect">
-            <a:avLst/>
-          </a:prstGeom>
-          <a:noFill/>
-          <a:ln>
-            <a:solidFill>
-              <a:schemeClr val="tx1"/>
-            </a:solidFill>
-          </a:ln>
-        </p:spPr>
-        <p:style>
-          <a:lnRef idx="2">
-            <a:schemeClr val="accent1">
-              <a:shade val="50000"/>
-            </a:schemeClr>
-          </a:lnRef>
-          <a:fillRef idx="1">
-            <a:schemeClr val="accent1"/>
-          </a:fillRef>
-          <a:effectRef idx="0">
-            <a:schemeClr val="accent1"/>
-          </a:effectRef>
-          <a:fontRef idx="minor">
-            <a:schemeClr val="lt1"/>
-          </a:fontRef>
-        </p:style>
-        <p:txBody>
-          <a:bodyPr rtlCol="0" anchor="ctr"/>
-          <a:lstStyle/>
-          <a:p>
-            <a:pPr algn="ctr"/>
-            <a:endParaRPr kumimoji="1" lang="zh-CN" altLang="en-US"/>
-          </a:p>
-        </p:txBody>
-      </p:sp>
-      <p:sp>
-        <p:nvSpPr>
-          <p:cNvPr id="28" name="矩形 27"/>
-          <p:cNvSpPr/>
-          <p:nvPr/>
-        </p:nvSpPr>
-        <p:spPr>
-          <a:xfrm>
-            <a:off x="7433230" y="2347874"/>
-            <a:ext cx="1830917" cy="770021"/>
-          </a:xfrm>
-          <a:prstGeom prst="rect">
-            <a:avLst/>
-          </a:prstGeom>
-          <a:noFill/>
-          <a:ln>
-            <a:solidFill>
-              <a:schemeClr val="tx1"/>
-            </a:solidFill>
-          </a:ln>
-        </p:spPr>
-        <p:style>
-          <a:lnRef idx="2">
-            <a:schemeClr val="accent1">
-              <a:shade val="50000"/>
-            </a:schemeClr>
-          </a:lnRef>
-          <a:fillRef idx="1">
-            <a:schemeClr val="accent1"/>
-          </a:fillRef>
-          <a:effectRef idx="0">
-            <a:schemeClr val="accent1"/>
-          </a:effectRef>
-          <a:fontRef idx="minor">
-            <a:schemeClr val="lt1"/>
-          </a:fontRef>
-        </p:style>
-        <p:txBody>
-          <a:bodyPr rtlCol="0" anchor="ctr"/>
-          <a:lstStyle/>
-          <a:p>
-            <a:pPr algn="ctr"/>
-            <a:endParaRPr kumimoji="1" lang="zh-CN" altLang="en-US" dirty="0"/>
-          </a:p>
-        </p:txBody>
-      </p:sp>
-      <p:sp>
-        <p:nvSpPr>
-          <p:cNvPr id="29" name="文本框 28"/>
-          <p:cNvSpPr txBox="1"/>
-          <p:nvPr/>
-        </p:nvSpPr>
-        <p:spPr>
-          <a:xfrm>
-            <a:off x="7532917" y="2569033"/>
-            <a:ext cx="1723549" cy="461665"/>
-          </a:xfrm>
-          <a:prstGeom prst="rect">
-            <a:avLst/>
-          </a:prstGeom>
-          <a:noFill/>
-        </p:spPr>
-        <p:txBody>
-          <a:bodyPr wrap="none" rtlCol="0">
-            <a:spAutoFit/>
-          </a:bodyPr>
-          <a:lstStyle/>
-          <a:p>
-            <a:r>
-              <a:rPr kumimoji="1" lang="zh-CN" altLang="en-US" sz="2400" b="1" dirty="0" smtClean="0"/>
-              <a:t>聚类分析器</a:t>
-            </a:r>
-            <a:endParaRPr kumimoji="1" lang="zh-CN" altLang="en-US" sz="2400" b="1" dirty="0"/>
-          </a:p>
-        </p:txBody>
-      </p:sp>
-      <p:cxnSp>
-        <p:nvCxnSpPr>
-          <p:cNvPr id="30" name="直线箭头连接符 29"/>
-          <p:cNvCxnSpPr>
-            <a:stCxn id="28" idx="1"/>
-            <a:endCxn id="15" idx="3"/>
-          </p:cNvCxnSpPr>
-          <p:nvPr/>
-        </p:nvCxnSpPr>
-        <p:spPr>
-          <a:xfrm flipH="1">
-            <a:off x="5194570" y="2732885"/>
-            <a:ext cx="2238660" cy="1748020"/>
-          </a:xfrm>
-          <a:prstGeom prst="straightConnector1">
-            <a:avLst/>
-          </a:prstGeom>
-          <a:ln cap="flat">
-            <a:solidFill>
-              <a:schemeClr val="tx1"/>
-            </a:solidFill>
-            <a:headEnd type="stealth" w="lg" len="lg"/>
-            <a:tailEnd type="triangle" w="lg" len="lg"/>
-          </a:ln>
-        </p:spPr>
-        <p:style>
-          <a:lnRef idx="1">
-            <a:schemeClr val="accent1"/>
-          </a:lnRef>
-          <a:fillRef idx="0">
-            <a:schemeClr val="accent1"/>
-          </a:fillRef>
-          <a:effectRef idx="0">
-            <a:schemeClr val="accent1"/>
-          </a:effectRef>
-          <a:fontRef idx="minor">
-            <a:schemeClr val="tx1"/>
-          </a:fontRef>
-        </p:style>
-      </p:cxnSp>
-      <p:sp>
-        <p:nvSpPr>
-          <p:cNvPr id="36" name="矩形 35"/>
-          <p:cNvSpPr/>
-          <p:nvPr/>
-        </p:nvSpPr>
-        <p:spPr>
-          <a:xfrm>
-            <a:off x="8045926" y="4140148"/>
-            <a:ext cx="2559443" cy="697831"/>
-          </a:xfrm>
-          <a:prstGeom prst="rect">
-            <a:avLst/>
-          </a:prstGeom>
-          <a:noFill/>
-          <a:ln>
-            <a:solidFill>
-              <a:schemeClr val="tx1"/>
-            </a:solidFill>
-          </a:ln>
-        </p:spPr>
-        <p:style>
-          <a:lnRef idx="2">
-            <a:schemeClr val="accent1">
-              <a:shade val="50000"/>
-            </a:schemeClr>
-          </a:lnRef>
-          <a:fillRef idx="1">
-            <a:schemeClr val="accent1"/>
-          </a:fillRef>
-          <a:effectRef idx="0">
-            <a:schemeClr val="accent1"/>
-          </a:effectRef>
-          <a:fontRef idx="minor">
-            <a:schemeClr val="lt1"/>
-          </a:fontRef>
-        </p:style>
-        <p:txBody>
-          <a:bodyPr rtlCol="0" anchor="ctr"/>
-          <a:lstStyle/>
-          <a:p>
-            <a:pPr algn="ctr"/>
-            <a:endParaRPr kumimoji="1" lang="zh-CN" altLang="en-US"/>
-          </a:p>
-        </p:txBody>
-      </p:sp>
-      <p:sp>
-        <p:nvSpPr>
-          <p:cNvPr id="37" name="文本框 36"/>
-          <p:cNvSpPr txBox="1"/>
-          <p:nvPr/>
-        </p:nvSpPr>
-        <p:spPr>
-          <a:xfrm>
-            <a:off x="8324632" y="4278665"/>
-            <a:ext cx="2031325" cy="461665"/>
-          </a:xfrm>
-          <a:prstGeom prst="rect">
-            <a:avLst/>
-          </a:prstGeom>
-          <a:noFill/>
-        </p:spPr>
-        <p:txBody>
-          <a:bodyPr wrap="none" rtlCol="0">
-            <a:spAutoFit/>
-          </a:bodyPr>
-          <a:lstStyle/>
-          <a:p>
-            <a:r>
-              <a:rPr kumimoji="1" lang="zh-CN" altLang="en-US" sz="2400" b="1" dirty="0" smtClean="0"/>
-              <a:t>关系</a:t>
-            </a:r>
-            <a:r>
-              <a:rPr kumimoji="1" lang="zh-CN" altLang="en-US" sz="2400" b="1" smtClean="0"/>
-              <a:t>数据存储</a:t>
-            </a:r>
-            <a:endParaRPr kumimoji="1" lang="zh-CN" altLang="en-US" sz="2400" b="1" dirty="0"/>
-          </a:p>
-        </p:txBody>
-      </p:sp>
-      <p:cxnSp>
-        <p:nvCxnSpPr>
-          <p:cNvPr id="38" name="直线箭头连接符 37"/>
-          <p:cNvCxnSpPr>
-            <a:stCxn id="28" idx="2"/>
-          </p:cNvCxnSpPr>
-          <p:nvPr/>
-        </p:nvCxnSpPr>
-        <p:spPr>
-          <a:xfrm>
-            <a:off x="8348689" y="3117895"/>
-            <a:ext cx="1091199" cy="1022253"/>
-          </a:xfrm>
-          <a:prstGeom prst="straightConnector1">
-            <a:avLst/>
-          </a:prstGeom>
-          <a:ln cap="flat">
-            <a:solidFill>
-              <a:schemeClr val="tx1"/>
-            </a:solidFill>
-            <a:headEnd type="stealth" w="lg" len="lg"/>
-            <a:tailEnd type="triangle" w="lg" len="lg"/>
-          </a:ln>
-        </p:spPr>
-        <p:style>
-          <a:lnRef idx="1">
-            <a:schemeClr val="accent1"/>
-          </a:lnRef>
-          <a:fillRef idx="0">
-            <a:schemeClr val="accent1"/>
-          </a:fillRef>
-          <a:effectRef idx="0">
-            <a:schemeClr val="accent1"/>
-          </a:effectRef>
-          <a:fontRef idx="minor">
-            <a:schemeClr val="tx1"/>
-          </a:fontRef>
-        </p:style>
-      </p:cxnSp>
-      <p:sp>
-        <p:nvSpPr>
-          <p:cNvPr id="42" name="矩形 41"/>
-          <p:cNvSpPr/>
-          <p:nvPr/>
-        </p:nvSpPr>
-        <p:spPr>
-          <a:xfrm>
-            <a:off x="9588604" y="2369648"/>
-            <a:ext cx="1830917" cy="770021"/>
-          </a:xfrm>
-          <a:prstGeom prst="rect">
-            <a:avLst/>
-          </a:prstGeom>
-          <a:noFill/>
-          <a:ln>
-            <a:solidFill>
-              <a:schemeClr val="tx1"/>
-            </a:solidFill>
-          </a:ln>
-        </p:spPr>
-        <p:style>
-          <a:lnRef idx="2">
-            <a:schemeClr val="accent1">
-              <a:shade val="50000"/>
-            </a:schemeClr>
-          </a:lnRef>
-          <a:fillRef idx="1">
-            <a:schemeClr val="accent1"/>
-          </a:fillRef>
-          <a:effectRef idx="0">
-            <a:schemeClr val="accent1"/>
-          </a:effectRef>
-          <a:fontRef idx="minor">
-            <a:schemeClr val="lt1"/>
-          </a:fontRef>
-        </p:style>
-        <p:txBody>
-          <a:bodyPr rtlCol="0" anchor="ctr"/>
-          <a:lstStyle/>
-          <a:p>
-            <a:pPr algn="ctr"/>
-            <a:endParaRPr kumimoji="1" lang="zh-CN" altLang="en-US" dirty="0"/>
-          </a:p>
-        </p:txBody>
-      </p:sp>
-      <p:cxnSp>
-        <p:nvCxnSpPr>
-          <p:cNvPr id="43" name="直线箭头连接符 42"/>
-          <p:cNvCxnSpPr>
-            <a:stCxn id="42" idx="2"/>
-          </p:cNvCxnSpPr>
-          <p:nvPr/>
-        </p:nvCxnSpPr>
-        <p:spPr>
-          <a:xfrm flipH="1">
-            <a:off x="9429635" y="3139669"/>
-            <a:ext cx="1074428" cy="1000479"/>
-          </a:xfrm>
-          <a:prstGeom prst="straightConnector1">
-            <a:avLst/>
-          </a:prstGeom>
-          <a:ln cap="flat">
-            <a:solidFill>
-              <a:schemeClr val="tx1"/>
-            </a:solidFill>
-            <a:headEnd type="stealth" w="lg" len="lg"/>
-            <a:tailEnd type="triangle" w="lg" len="lg"/>
-          </a:ln>
-        </p:spPr>
-        <p:style>
-          <a:lnRef idx="1">
-            <a:schemeClr val="accent1"/>
-          </a:lnRef>
-          <a:fillRef idx="0">
-            <a:schemeClr val="accent1"/>
-          </a:fillRef>
-          <a:effectRef idx="0">
-            <a:schemeClr val="accent1"/>
-          </a:effectRef>
-          <a:fontRef idx="minor">
-            <a:schemeClr val="tx1"/>
-          </a:fontRef>
-        </p:style>
-      </p:cxnSp>
-      <p:sp>
-        <p:nvSpPr>
-          <p:cNvPr id="53" name="文本框 52"/>
-          <p:cNvSpPr txBox="1"/>
-          <p:nvPr/>
-        </p:nvSpPr>
-        <p:spPr>
-          <a:xfrm>
-            <a:off x="9514120" y="2390698"/>
-            <a:ext cx="2031325" cy="830997"/>
-          </a:xfrm>
-          <a:prstGeom prst="rect">
-            <a:avLst/>
-          </a:prstGeom>
-          <a:noFill/>
-        </p:spPr>
-        <p:txBody>
-          <a:bodyPr wrap="none" rtlCol="0">
-            <a:spAutoFit/>
-          </a:bodyPr>
-          <a:lstStyle/>
-          <a:p>
-            <a:r>
-              <a:rPr kumimoji="1" lang="zh-CN" altLang="en-US" sz="2400" b="1" dirty="0" smtClean="0"/>
-              <a:t>出行意愿强度</a:t>
-            </a:r>
-          </a:p>
-          <a:p>
-            <a:r>
-              <a:rPr kumimoji="1" lang="zh-CN" altLang="en-US" sz="2400" b="1" dirty="0" smtClean="0"/>
-              <a:t>      分析器</a:t>
-            </a:r>
-            <a:endParaRPr kumimoji="1" lang="zh-CN" altLang="en-US" sz="2400" b="1" dirty="0"/>
-          </a:p>
-        </p:txBody>
-      </p:sp>
+            </a:fontRef>
+          </p:style>
+        </p:cxnSp>
+        <p:sp>
+          <p:nvSpPr>
+            <p:cNvPr id="53" name="文本框 52"/>
+            <p:cNvSpPr txBox="1"/>
+            <p:nvPr/>
+          </p:nvSpPr>
+          <p:spPr>
+            <a:xfrm>
+              <a:off x="9514120" y="2390698"/>
+              <a:ext cx="2031325" cy="830997"/>
+            </a:xfrm>
+            <a:prstGeom prst="rect">
+              <a:avLst/>
+            </a:prstGeom>
+            <a:noFill/>
+          </p:spPr>
+          <p:txBody>
+            <a:bodyPr wrap="none" rtlCol="0">
+              <a:spAutoFit/>
+            </a:bodyPr>
+            <a:lstStyle/>
+            <a:p>
+              <a:r>
+                <a:rPr kumimoji="1" lang="zh-CN" altLang="en-US" sz="2400" b="1" dirty="0" smtClean="0"/>
+                <a:t>出行意愿强度</a:t>
+              </a:r>
+            </a:p>
+            <a:p>
+              <a:r>
+                <a:rPr kumimoji="1" lang="zh-CN" altLang="en-US" sz="2400" b="1" dirty="0" smtClean="0"/>
+                <a:t>      分析器</a:t>
+              </a:r>
+              <a:endParaRPr kumimoji="1" lang="zh-CN" altLang="en-US" sz="2400" b="1" dirty="0"/>
+            </a:p>
+          </p:txBody>
+        </p:sp>
+      </p:grpSp>
     </p:spTree>
     <p:extLst>
       <p:ext uri="{BB962C8B-B14F-4D97-AF65-F5344CB8AC3E}">
